--- a/Calendario2022/Presentaciones/15_Configuracion.pptx
+++ b/Calendario2022/Presentaciones/15_Configuracion.pptx
@@ -767,7 +767,7 @@
               </a14:hiddenFill>
             </a:ext>
             <a:ext uri="{FAA26D3D-D897-4be2-8F04-BA451C77F1D7}">
-              <ma14:placeholderFlag xmlns:ma14="http://schemas.microsoft.com/office/mac/drawingml/2011/main" xmlns:mc="http://schemas.openxmlformats.org/markup-compatibility/2006" xmlns:a14="http://schemas.microsoft.com/office/drawing/2010/main" xmlns:c="http://schemas.openxmlformats.org/drawingml/2006/chart" xmlns:dgm="http://schemas.openxmlformats.org/drawingml/2006/diagram" xmlns:cdr="http://schemas.openxmlformats.org/drawingml/2006/chartDrawing" xmlns:wne="http://schemas.microsoft.com/office/powerpoint/2006/powerpointml" xmlns:wp="http://schemas.openxmlformats.org/drawingml/2006/powerpointprocessingDrawing" xmlns:v="urn:schemas-microsoft-com:vml" xmlns:o="urn:schemas-microsoft-com:office:office" xmlns="" val="1"/>
+              <ma14:placeholderFlag xmlns="" xmlns:o="urn:schemas-microsoft-com:office:office" xmlns:v="urn:schemas-microsoft-com:vml" xmlns:wp="http://schemas.openxmlformats.org/drawingml/2006/powerpointprocessingDrawing" xmlns:wne="http://schemas.microsoft.com/office/powerpoint/2006/powerpointml" xmlns:cdr="http://schemas.openxmlformats.org/drawingml/2006/chartDrawing" xmlns:dgm="http://schemas.openxmlformats.org/drawingml/2006/diagram" xmlns:c="http://schemas.openxmlformats.org/drawingml/2006/chart" xmlns:a14="http://schemas.microsoft.com/office/drawing/2010/main" xmlns:mc="http://schemas.openxmlformats.org/markup-compatibility/2006" xmlns:ma14="http://schemas.microsoft.com/office/mac/drawingml/2011/main" val="1"/>
             </a:ext>
           </a:extLst>
         </p:spPr>
@@ -8809,7 +8809,7 @@
               </a14:hiddenLine>
             </a:ext>
             <a:ext uri="{FAA26D3D-D897-4be2-8F04-BA451C77F1D7}">
-              <ma14:placeholderFlag xmlns:ma14="http://schemas.microsoft.com/office/mac/drawingml/2011/main" xmlns:mc="http://schemas.openxmlformats.org/markup-compatibility/2006" xmlns:a14="http://schemas.microsoft.com/office/drawing/2010/main" xmlns:c="http://schemas.openxmlformats.org/drawingml/2006/chart" xmlns:dgm="http://schemas.openxmlformats.org/drawingml/2006/diagram" xmlns:cdr="http://schemas.openxmlformats.org/drawingml/2006/chartDrawing" xmlns:wne="http://schemas.microsoft.com/office/powerpoint/2006/powerpointml" xmlns:wp="http://schemas.openxmlformats.org/drawingml/2006/powerpointprocessingDrawing" xmlns:v="urn:schemas-microsoft-com:vml" xmlns:o="urn:schemas-microsoft-com:office:office" xmlns="" val="1"/>
+              <ma14:placeholderFlag xmlns="" xmlns:o="urn:schemas-microsoft-com:office:office" xmlns:v="urn:schemas-microsoft-com:vml" xmlns:wp="http://schemas.openxmlformats.org/drawingml/2006/powerpointprocessingDrawing" xmlns:wne="http://schemas.microsoft.com/office/powerpoint/2006/powerpointml" xmlns:cdr="http://schemas.openxmlformats.org/drawingml/2006/chartDrawing" xmlns:dgm="http://schemas.openxmlformats.org/drawingml/2006/diagram" xmlns:c="http://schemas.openxmlformats.org/drawingml/2006/chart" xmlns:a14="http://schemas.microsoft.com/office/drawing/2010/main" xmlns:mc="http://schemas.openxmlformats.org/markup-compatibility/2006" xmlns:ma14="http://schemas.microsoft.com/office/mac/drawingml/2011/main" val="1"/>
             </a:ext>
           </a:extLst>
         </p:spPr>
@@ -9019,7 +9019,7 @@
               </a14:hiddenLine>
             </a:ext>
             <a:ext uri="{FAA26D3D-D897-4be2-8F04-BA451C77F1D7}">
-              <ma14:placeholderFlag xmlns:ma14="http://schemas.microsoft.com/office/mac/drawingml/2011/main" xmlns:mc="http://schemas.openxmlformats.org/markup-compatibility/2006" xmlns:a14="http://schemas.microsoft.com/office/drawing/2010/main" xmlns:c="http://schemas.openxmlformats.org/drawingml/2006/chart" xmlns:dgm="http://schemas.openxmlformats.org/drawingml/2006/diagram" xmlns:cdr="http://schemas.openxmlformats.org/drawingml/2006/chartDrawing" xmlns:wne="http://schemas.microsoft.com/office/powerpoint/2006/powerpointml" xmlns:wp="http://schemas.openxmlformats.org/drawingml/2006/powerpointprocessingDrawing" xmlns:v="urn:schemas-microsoft-com:vml" xmlns:o="urn:schemas-microsoft-com:office:office" xmlns="" val="1"/>
+              <ma14:placeholderFlag xmlns="" xmlns:o="urn:schemas-microsoft-com:office:office" xmlns:v="urn:schemas-microsoft-com:vml" xmlns:wp="http://schemas.openxmlformats.org/drawingml/2006/powerpointprocessingDrawing" xmlns:wne="http://schemas.microsoft.com/office/powerpoint/2006/powerpointml" xmlns:cdr="http://schemas.openxmlformats.org/drawingml/2006/chartDrawing" xmlns:dgm="http://schemas.openxmlformats.org/drawingml/2006/diagram" xmlns:c="http://schemas.openxmlformats.org/drawingml/2006/chart" xmlns:a14="http://schemas.microsoft.com/office/drawing/2010/main" xmlns:mc="http://schemas.openxmlformats.org/markup-compatibility/2006" xmlns:ma14="http://schemas.microsoft.com/office/mac/drawingml/2011/main" val="1"/>
             </a:ext>
           </a:extLst>
         </p:spPr>
@@ -9783,7 +9783,7 @@
               </a14:hiddenLine>
             </a:ext>
             <a:ext uri="{FAA26D3D-D897-4be2-8F04-BA451C77F1D7}">
-              <ma14:placeholderFlag xmlns:ma14="http://schemas.microsoft.com/office/mac/drawingml/2011/main" xmlns:mc="http://schemas.openxmlformats.org/markup-compatibility/2006" xmlns:a14="http://schemas.microsoft.com/office/drawing/2010/main" xmlns:c="http://schemas.openxmlformats.org/drawingml/2006/chart" xmlns:dgm="http://schemas.openxmlformats.org/drawingml/2006/diagram" xmlns:cdr="http://schemas.openxmlformats.org/drawingml/2006/chartDrawing" xmlns:wne="http://schemas.microsoft.com/office/powerpoint/2006/powerpointml" xmlns:wp="http://schemas.openxmlformats.org/drawingml/2006/powerpointprocessingDrawing" xmlns:v="urn:schemas-microsoft-com:vml" xmlns:o="urn:schemas-microsoft-com:office:office" xmlns="" val="1"/>
+              <ma14:placeholderFlag xmlns="" xmlns:o="urn:schemas-microsoft-com:office:office" xmlns:v="urn:schemas-microsoft-com:vml" xmlns:wp="http://schemas.openxmlformats.org/drawingml/2006/powerpointprocessingDrawing" xmlns:wne="http://schemas.microsoft.com/office/powerpoint/2006/powerpointml" xmlns:cdr="http://schemas.openxmlformats.org/drawingml/2006/chartDrawing" xmlns:dgm="http://schemas.openxmlformats.org/drawingml/2006/diagram" xmlns:c="http://schemas.openxmlformats.org/drawingml/2006/chart" xmlns:a14="http://schemas.microsoft.com/office/drawing/2010/main" xmlns:mc="http://schemas.openxmlformats.org/markup-compatibility/2006" xmlns:ma14="http://schemas.microsoft.com/office/mac/drawingml/2011/main" val="1"/>
             </a:ext>
           </a:extLst>
         </p:spPr>
@@ -9978,7 +9978,7 @@
               </a14:hiddenLine>
             </a:ext>
             <a:ext uri="{FAA26D3D-D897-4be2-8F04-BA451C77F1D7}">
-              <ma14:placeholderFlag xmlns:ma14="http://schemas.microsoft.com/office/mac/drawingml/2011/main" xmlns:mc="http://schemas.openxmlformats.org/markup-compatibility/2006" xmlns:a14="http://schemas.microsoft.com/office/drawing/2010/main" xmlns:c="http://schemas.openxmlformats.org/drawingml/2006/chart" xmlns:dgm="http://schemas.openxmlformats.org/drawingml/2006/diagram" xmlns:cdr="http://schemas.openxmlformats.org/drawingml/2006/chartDrawing" xmlns:wne="http://schemas.microsoft.com/office/powerpoint/2006/powerpointml" xmlns:wp="http://schemas.openxmlformats.org/drawingml/2006/powerpointprocessingDrawing" xmlns:v="urn:schemas-microsoft-com:vml" xmlns:o="urn:schemas-microsoft-com:office:office" xmlns="" val="1"/>
+              <ma14:placeholderFlag xmlns="" xmlns:o="urn:schemas-microsoft-com:office:office" xmlns:v="urn:schemas-microsoft-com:vml" xmlns:wp="http://schemas.openxmlformats.org/drawingml/2006/powerpointprocessingDrawing" xmlns:wne="http://schemas.microsoft.com/office/powerpoint/2006/powerpointml" xmlns:cdr="http://schemas.openxmlformats.org/drawingml/2006/chartDrawing" xmlns:dgm="http://schemas.openxmlformats.org/drawingml/2006/diagram" xmlns:c="http://schemas.openxmlformats.org/drawingml/2006/chart" xmlns:a14="http://schemas.microsoft.com/office/drawing/2010/main" xmlns:mc="http://schemas.openxmlformats.org/markup-compatibility/2006" xmlns:ma14="http://schemas.microsoft.com/office/mac/drawingml/2011/main" val="1"/>
             </a:ext>
           </a:extLst>
         </p:spPr>
